--- a/Week2/course22.pptx
+++ b/Week2/course22.pptx
@@ -5,12 +5,13 @@
     <p:sldMasterId id="2147483648" r:id="rId1"/>
   </p:sldMasterIdLst>
   <p:sldIdLst>
-    <p:sldId id="273" r:id="rId2"/>
-    <p:sldId id="274" r:id="rId3"/>
-    <p:sldId id="264" r:id="rId4"/>
-    <p:sldId id="270" r:id="rId5"/>
-    <p:sldId id="271" r:id="rId6"/>
-    <p:sldId id="272" r:id="rId7"/>
+    <p:sldId id="275" r:id="rId2"/>
+    <p:sldId id="273" r:id="rId3"/>
+    <p:sldId id="274" r:id="rId4"/>
+    <p:sldId id="264" r:id="rId5"/>
+    <p:sldId id="270" r:id="rId6"/>
+    <p:sldId id="271" r:id="rId7"/>
+    <p:sldId id="272" r:id="rId8"/>
   </p:sldIdLst>
   <p:sldSz cx="9144000" cy="6858000" type="screen4x3"/>
   <p:notesSz cx="6858000" cy="9144000"/>
@@ -3107,19 +3108,17 @@
             <a:spLocks noGrp="1"/>
           </p:cNvSpPr>
           <p:nvPr>
-            <p:ph type="title"/>
-          </p:nvPr>
-        </p:nvSpPr>
-        <p:spPr/>
-        <p:txBody>
-          <a:bodyPr>
-            <a:normAutofit/>
-          </a:bodyPr>
+            <p:ph type="ctrTitle"/>
+          </p:nvPr>
+        </p:nvSpPr>
+        <p:spPr/>
+        <p:txBody>
+          <a:bodyPr/>
           <a:lstStyle/>
           <a:p>
             <a:r>
               <a:rPr kumimoji="1" lang="zh-CN" altLang="en-US" dirty="0" smtClean="0"/>
-              <a:t>上次回顾</a:t>
+              <a:t>上课时间的变动</a:t>
             </a:r>
             <a:endParaRPr kumimoji="1" lang="zh-CN" altLang="en-US" dirty="0"/>
           </a:p>
@@ -3127,58 +3126,58 @@
       </p:sp>
       <p:sp>
         <p:nvSpPr>
-          <p:cNvPr id="3" name="内容占位符 2"/>
-          <p:cNvSpPr>
-            <a:spLocks noGrp="1"/>
-          </p:cNvSpPr>
-          <p:nvPr>
-            <p:ph idx="1"/>
-          </p:nvPr>
-        </p:nvSpPr>
-        <p:spPr/>
-        <p:txBody>
-          <a:bodyPr/>
-          <a:lstStyle/>
-          <a:p>
+          <p:cNvPr id="3" name="副标题 2"/>
+          <p:cNvSpPr>
+            <a:spLocks noGrp="1"/>
+          </p:cNvSpPr>
+          <p:nvPr>
+            <p:ph type="subTitle" idx="1"/>
+          </p:nvPr>
+        </p:nvSpPr>
+        <p:spPr/>
+        <p:txBody>
+          <a:bodyPr/>
+          <a:lstStyle/>
+          <a:p>
+            <a:r>
+              <a:rPr kumimoji="1" lang="zh-CN" altLang="en-US" dirty="0" smtClean="0"/>
+              <a:t>改为每周一、周三、周五</a:t>
+            </a:r>
+            <a:endParaRPr kumimoji="1" lang="en-US" altLang="zh-CN" dirty="0" smtClean="0"/>
+          </a:p>
+          <a:p>
+            <a:r>
+              <a:rPr kumimoji="1" lang="zh-CN" altLang="zh-CN" dirty="0" smtClean="0"/>
+              <a:t>1</a:t>
+            </a:r>
             <a:r>
               <a:rPr kumimoji="1" lang="en-US" altLang="zh-CN" dirty="0" smtClean="0"/>
-              <a:t>storyboard</a:t>
+              <a:t>0</a:t>
             </a:r>
             <a:r>
               <a:rPr kumimoji="1" lang="zh-CN" altLang="en-US" dirty="0" smtClean="0"/>
-              <a:t>创</a:t>
+              <a:t>：</a:t>
+            </a:r>
+            <a:r>
+              <a:rPr kumimoji="1" lang="en-US" altLang="zh-CN" dirty="0" smtClean="0"/>
+              <a:t>00-12</a:t>
             </a:r>
             <a:r>
               <a:rPr kumimoji="1" lang="zh-CN" altLang="en-US" dirty="0" smtClean="0"/>
-              <a:t>建</a:t>
-            </a:r>
-            <a:r>
-              <a:rPr kumimoji="1" lang="en-US" altLang="zh-CN" dirty="0" err="1"/>
-              <a:t>tabViewController</a:t>
-            </a:r>
-            <a:r>
-              <a:rPr kumimoji="1" lang="zh-CN" altLang="en-US" dirty="0" smtClean="0"/>
-              <a:t>配置底部菜单栏</a:t>
-            </a:r>
-            <a:r>
-              <a:rPr kumimoji="1" lang="zh-CN" altLang="en-US" dirty="0" smtClean="0"/>
-              <a:t>的文字和图片</a:t>
-            </a:r>
-            <a:endParaRPr kumimoji="1" lang="en-US" altLang="zh-CN" dirty="0" smtClean="0"/>
-          </a:p>
-          <a:p>
-            <a:r>
-              <a:rPr kumimoji="1" lang="zh-CN" altLang="en-US" dirty="0" smtClean="0"/>
-              <a:t>代码配置文字和图片</a:t>
-            </a:r>
-            <a:endParaRPr kumimoji="1" lang="en-US" altLang="zh-CN" dirty="0"/>
+              <a:t>：</a:t>
+            </a:r>
+            <a:r>
+              <a:rPr kumimoji="1" lang="en-US" altLang="zh-CN" dirty="0" smtClean="0"/>
+              <a:t>00</a:t>
+            </a:r>
+            <a:endParaRPr kumimoji="1" lang="zh-CN" altLang="en-US" dirty="0"/>
           </a:p>
         </p:txBody>
       </p:sp>
     </p:spTree>
     <p:extLst>
       <p:ext uri="{BB962C8B-B14F-4D97-AF65-F5344CB8AC3E}">
-        <p14:creationId xmlns:p14="http://schemas.microsoft.com/office/powerpoint/2010/main" val="2927799697"/>
+        <p14:creationId xmlns:p14="http://schemas.microsoft.com/office/powerpoint/2010/main" val="577518427"/>
       </p:ext>
     </p:extLst>
   </p:cSld>
@@ -3217,16 +3216,14 @@
         </p:nvSpPr>
         <p:spPr/>
         <p:txBody>
-          <a:bodyPr/>
-          <a:lstStyle/>
-          <a:p>
-            <a:r>
-              <a:rPr kumimoji="1" lang="en-US" altLang="zh-CN" dirty="0" err="1" smtClean="0"/>
-              <a:t>Coredata</a:t>
-            </a:r>
+          <a:bodyPr>
+            <a:normAutofit/>
+          </a:bodyPr>
+          <a:lstStyle/>
+          <a:p>
             <a:r>
               <a:rPr kumimoji="1" lang="zh-CN" altLang="en-US" dirty="0" smtClean="0"/>
-              <a:t>存储图片</a:t>
+              <a:t>上次回顾</a:t>
             </a:r>
             <a:endParaRPr kumimoji="1" lang="zh-CN" altLang="en-US" dirty="0"/>
           </a:p>
@@ -3248,54 +3245,36 @@
           <a:lstStyle/>
           <a:p>
             <a:r>
+              <a:rPr kumimoji="1" lang="en-US" altLang="zh-CN" dirty="0" smtClean="0"/>
+              <a:t>storyboard</a:t>
+            </a:r>
+            <a:r>
               <a:rPr kumimoji="1" lang="zh-CN" altLang="en-US" dirty="0" smtClean="0"/>
-              <a:t>怎么增加</a:t>
-            </a:r>
-            <a:r>
-              <a:rPr kumimoji="1" lang="en-US" altLang="zh-CN" dirty="0" smtClean="0"/>
-              <a:t>Entity</a:t>
+              <a:t>创建</a:t>
+            </a:r>
+            <a:r>
+              <a:rPr kumimoji="1" lang="en-US" altLang="zh-CN" dirty="0" err="1"/>
+              <a:t>tabViewController</a:t>
             </a:r>
             <a:r>
               <a:rPr kumimoji="1" lang="zh-CN" altLang="en-US" dirty="0" smtClean="0"/>
-              <a:t>和</a:t>
-            </a:r>
-            <a:r>
-              <a:rPr kumimoji="1" lang="en-US" altLang="zh-CN" dirty="0" err="1" smtClean="0"/>
-              <a:t>atrribute</a:t>
+              <a:t>配置底部菜单栏的文字和图片</a:t>
             </a:r>
             <a:endParaRPr kumimoji="1" lang="en-US" altLang="zh-CN" dirty="0" smtClean="0"/>
           </a:p>
           <a:p>
             <a:r>
               <a:rPr kumimoji="1" lang="zh-CN" altLang="en-US" dirty="0" smtClean="0"/>
-              <a:t>数据类型：</a:t>
-            </a:r>
-            <a:r>
-              <a:rPr kumimoji="1" lang="en-US" altLang="zh-CN" dirty="0" smtClean="0"/>
-              <a:t>transformer</a:t>
-            </a:r>
-          </a:p>
-          <a:p>
-            <a:r>
-              <a:rPr kumimoji="1" lang="en-US" altLang="zh-CN" dirty="0" smtClean="0"/>
-              <a:t>Subclass </a:t>
-            </a:r>
-            <a:r>
-              <a:rPr kumimoji="1" lang="en-US" altLang="zh-CN" dirty="0" err="1" smtClean="0"/>
-              <a:t>nsvaluetransformer</a:t>
-            </a:r>
-            <a:r>
-              <a:rPr kumimoji="1" lang="zh-CN" altLang="en-US" dirty="0" smtClean="0"/>
-              <a:t>实现图片的存取</a:t>
-            </a:r>
-            <a:endParaRPr kumimoji="1" lang="zh-CN" altLang="en-US" dirty="0"/>
+              <a:t>代码配置文字和图片</a:t>
+            </a:r>
+            <a:endParaRPr kumimoji="1" lang="en-US" altLang="zh-CN" dirty="0"/>
           </a:p>
         </p:txBody>
       </p:sp>
     </p:spTree>
     <p:extLst>
       <p:ext uri="{BB962C8B-B14F-4D97-AF65-F5344CB8AC3E}">
-        <p14:creationId xmlns:p14="http://schemas.microsoft.com/office/powerpoint/2010/main" val="105643248"/>
+        <p14:creationId xmlns:p14="http://schemas.microsoft.com/office/powerpoint/2010/main" val="2927799697"/>
       </p:ext>
     </p:extLst>
   </p:cSld>
@@ -3338,114 +3317,72 @@
           <a:lstStyle/>
           <a:p>
             <a:r>
+              <a:rPr kumimoji="1" lang="en-US" altLang="zh-CN" dirty="0" err="1" smtClean="0"/>
+              <a:t>Coredata</a:t>
+            </a:r>
+            <a:r>
               <a:rPr kumimoji="1" lang="zh-CN" altLang="en-US" dirty="0" smtClean="0"/>
-              <a:t>实例</a:t>
+              <a:t>存储图片</a:t>
+            </a:r>
+            <a:endParaRPr kumimoji="1" lang="zh-CN" altLang="en-US" dirty="0"/>
+          </a:p>
+        </p:txBody>
+      </p:sp>
+      <p:sp>
+        <p:nvSpPr>
+          <p:cNvPr id="3" name="内容占位符 2"/>
+          <p:cNvSpPr>
+            <a:spLocks noGrp="1"/>
+          </p:cNvSpPr>
+          <p:nvPr>
+            <p:ph idx="1"/>
+          </p:nvPr>
+        </p:nvSpPr>
+        <p:spPr/>
+        <p:txBody>
+          <a:bodyPr/>
+          <a:lstStyle/>
+          <a:p>
+            <a:r>
+              <a:rPr kumimoji="1" lang="zh-CN" altLang="en-US" dirty="0" smtClean="0"/>
+              <a:t>怎么增加</a:t>
             </a:r>
             <a:r>
               <a:rPr kumimoji="1" lang="en-US" altLang="zh-CN" dirty="0" smtClean="0"/>
-              <a:t>1</a:t>
+              <a:t>Entity</a:t>
             </a:r>
             <a:r>
               <a:rPr kumimoji="1" lang="zh-CN" altLang="en-US" dirty="0" smtClean="0"/>
-              <a:t>：隐藏键盘</a:t>
-            </a:r>
-            <a:endParaRPr kumimoji="1" lang="zh-CN" altLang="en-US" dirty="0"/>
-          </a:p>
-        </p:txBody>
-      </p:sp>
-      <p:sp>
-        <p:nvSpPr>
-          <p:cNvPr id="3" name="内容占位符 2"/>
-          <p:cNvSpPr>
-            <a:spLocks noGrp="1"/>
-          </p:cNvSpPr>
-          <p:nvPr>
-            <p:ph idx="1"/>
-          </p:nvPr>
-        </p:nvSpPr>
-        <p:spPr/>
-        <p:txBody>
-          <a:bodyPr/>
-          <a:lstStyle/>
+              <a:t>和</a:t>
+            </a:r>
+            <a:r>
+              <a:rPr kumimoji="1" lang="en-US" altLang="zh-CN" dirty="0" err="1" smtClean="0"/>
+              <a:t>atrribute</a:t>
+            </a:r>
+            <a:endParaRPr kumimoji="1" lang="en-US" altLang="zh-CN" dirty="0" smtClean="0"/>
+          </a:p>
           <a:p>
             <a:r>
               <a:rPr kumimoji="1" lang="zh-CN" altLang="en-US" dirty="0" smtClean="0"/>
-              <a:t>点击隐藏键盘的方法</a:t>
-            </a:r>
-            <a:endParaRPr kumimoji="1" lang="en-US" altLang="zh-CN" dirty="0" smtClean="0"/>
-          </a:p>
-          <a:p>
-            <a:r>
-              <a:rPr kumimoji="1" lang="zh-CN" altLang="zh-CN" dirty="0" smtClean="0"/>
-              <a:t>1</a:t>
+              <a:t>数据类型：</a:t>
+            </a:r>
+            <a:r>
+              <a:rPr kumimoji="1" lang="en-US" altLang="zh-CN" dirty="0" smtClean="0"/>
+              <a:t>transformer</a:t>
+            </a:r>
+          </a:p>
+          <a:p>
+            <a:r>
+              <a:rPr kumimoji="1" lang="en-US" altLang="zh-CN" dirty="0" smtClean="0"/>
+              <a:t>Subclass </a:t>
+            </a:r>
+            <a:r>
+              <a:rPr kumimoji="1" lang="en-US" altLang="zh-CN" dirty="0" err="1" smtClean="0"/>
+              <a:t>nsvaluetransformer</a:t>
             </a:r>
             <a:r>
               <a:rPr kumimoji="1" lang="zh-CN" altLang="en-US" dirty="0" smtClean="0"/>
-              <a:t>、</a:t>
-            </a:r>
-            <a:r>
-              <a:rPr kumimoji="1" lang="en-US" altLang="zh-CN" dirty="0" smtClean="0"/>
-              <a:t>ios9</a:t>
-            </a:r>
-          </a:p>
-          <a:p>
-            <a:r>
-              <a:rPr kumimoji="1" lang="zh-CN" altLang="zh-CN" dirty="0" smtClean="0"/>
-              <a:t>2</a:t>
-            </a:r>
-            <a:r>
-              <a:rPr kumimoji="1" lang="zh-CN" altLang="en-US" dirty="0" smtClean="0"/>
-              <a:t>、</a:t>
-            </a:r>
-            <a:r>
-              <a:rPr kumimoji="1" lang="en-US" altLang="zh-CN" dirty="0" smtClean="0"/>
-              <a:t>gesture</a:t>
-            </a:r>
-            <a:r>
-              <a:rPr kumimoji="1" lang="zh-CN" altLang="en-US" dirty="0" smtClean="0"/>
-              <a:t>的方法</a:t>
-            </a:r>
-            <a:endParaRPr kumimoji="1" lang="en-US" altLang="zh-CN" dirty="0" smtClean="0"/>
-          </a:p>
-          <a:p>
-            <a:r>
-              <a:rPr kumimoji="1" lang="zh-CN" altLang="zh-CN" dirty="0" smtClean="0"/>
-              <a:t>3</a:t>
-            </a:r>
-            <a:r>
-              <a:rPr kumimoji="1" lang="zh-CN" altLang="en-US" dirty="0" smtClean="0"/>
-              <a:t>、拓展：自定义</a:t>
-            </a:r>
-            <a:r>
-              <a:rPr kumimoji="1" lang="en-US" altLang="zh-CN" dirty="0" err="1" smtClean="0"/>
-              <a:t>UIView</a:t>
-            </a:r>
-            <a:r>
-              <a:rPr kumimoji="1" lang="zh-CN" altLang="en-US" dirty="0" smtClean="0"/>
-              <a:t>加到键盘上</a:t>
-            </a:r>
-            <a:endParaRPr kumimoji="1" lang="en-US" altLang="zh-CN" dirty="0" smtClean="0"/>
-          </a:p>
-          <a:p>
-            <a:r>
-              <a:rPr kumimoji="1" lang="en-US" altLang="zh-CN" dirty="0" smtClean="0"/>
-              <a:t>4</a:t>
-            </a:r>
-            <a:r>
-              <a:rPr kumimoji="1" lang="zh-CN" altLang="en-US" dirty="0" smtClean="0"/>
-              <a:t>、</a:t>
-            </a:r>
-            <a:r>
-              <a:rPr kumimoji="1" lang="en-US" altLang="zh-CN" dirty="0" smtClean="0"/>
-              <a:t>http://</a:t>
-            </a:r>
-            <a:r>
-              <a:rPr kumimoji="1" lang="en-US" altLang="zh-CN" dirty="0" err="1" smtClean="0"/>
-              <a:t>www.gowhich.com</a:t>
-            </a:r>
-            <a:r>
-              <a:rPr kumimoji="1" lang="en-US" altLang="zh-CN" dirty="0" smtClean="0"/>
-              <a:t>/blog/516</a:t>
+              <a:t>实现图片的存取</a:t>
             </a:r>
             <a:endParaRPr kumimoji="1" lang="zh-CN" altLang="en-US" dirty="0"/>
           </a:p>
@@ -3454,7 +3391,7 @@
     </p:spTree>
     <p:extLst>
       <p:ext uri="{BB962C8B-B14F-4D97-AF65-F5344CB8AC3E}">
-        <p14:creationId xmlns:p14="http://schemas.microsoft.com/office/powerpoint/2010/main" val="3359439704"/>
+        <p14:creationId xmlns:p14="http://schemas.microsoft.com/office/powerpoint/2010/main" val="105643248"/>
       </p:ext>
     </p:extLst>
   </p:cSld>
@@ -3502,38 +3439,110 @@
             </a:r>
             <a:r>
               <a:rPr kumimoji="1" lang="en-US" altLang="zh-CN" dirty="0" smtClean="0"/>
+              <a:t>1</a:t>
+            </a:r>
+            <a:r>
+              <a:rPr kumimoji="1" lang="zh-CN" altLang="en-US" dirty="0" smtClean="0"/>
+              <a:t>：隐藏键盘</a:t>
+            </a:r>
+            <a:endParaRPr kumimoji="1" lang="zh-CN" altLang="en-US" dirty="0"/>
+          </a:p>
+        </p:txBody>
+      </p:sp>
+      <p:sp>
+        <p:nvSpPr>
+          <p:cNvPr id="3" name="内容占位符 2"/>
+          <p:cNvSpPr>
+            <a:spLocks noGrp="1"/>
+          </p:cNvSpPr>
+          <p:nvPr>
+            <p:ph idx="1"/>
+          </p:nvPr>
+        </p:nvSpPr>
+        <p:spPr/>
+        <p:txBody>
+          <a:bodyPr/>
+          <a:lstStyle/>
+          <a:p>
+            <a:r>
+              <a:rPr kumimoji="1" lang="zh-CN" altLang="en-US" dirty="0" smtClean="0"/>
+              <a:t>点击隐藏键盘的方法</a:t>
+            </a:r>
+            <a:endParaRPr kumimoji="1" lang="en-US" altLang="zh-CN" dirty="0" smtClean="0"/>
+          </a:p>
+          <a:p>
+            <a:r>
+              <a:rPr kumimoji="1" lang="zh-CN" altLang="zh-CN" dirty="0" smtClean="0"/>
+              <a:t>1</a:t>
+            </a:r>
+            <a:r>
+              <a:rPr kumimoji="1" lang="zh-CN" altLang="en-US" dirty="0" smtClean="0"/>
+              <a:t>、</a:t>
+            </a:r>
+            <a:r>
+              <a:rPr kumimoji="1" lang="en-US" altLang="zh-CN" dirty="0" smtClean="0"/>
+              <a:t>ios9</a:t>
+            </a:r>
+          </a:p>
+          <a:p>
+            <a:r>
+              <a:rPr kumimoji="1" lang="zh-CN" altLang="zh-CN" dirty="0" smtClean="0"/>
               <a:t>2</a:t>
             </a:r>
             <a:r>
               <a:rPr kumimoji="1" lang="zh-CN" altLang="en-US" dirty="0" smtClean="0"/>
-              <a:t>：实现滑动翻页</a:t>
-            </a:r>
-            <a:endParaRPr kumimoji="1" lang="zh-CN" altLang="en-US" dirty="0"/>
-          </a:p>
-        </p:txBody>
-      </p:sp>
-      <p:sp>
-        <p:nvSpPr>
-          <p:cNvPr id="3" name="内容占位符 2"/>
-          <p:cNvSpPr>
-            <a:spLocks noGrp="1"/>
-          </p:cNvSpPr>
-          <p:nvPr>
-            <p:ph idx="1"/>
-          </p:nvPr>
-        </p:nvSpPr>
-        <p:spPr/>
-        <p:txBody>
-          <a:bodyPr/>
-          <a:lstStyle/>
-          <a:p>
+              <a:t>、</a:t>
+            </a:r>
+            <a:r>
+              <a:rPr kumimoji="1" lang="en-US" altLang="zh-CN" dirty="0" smtClean="0"/>
+              <a:t>gesture</a:t>
+            </a:r>
+            <a:r>
+              <a:rPr kumimoji="1" lang="zh-CN" altLang="en-US" dirty="0" smtClean="0"/>
+              <a:t>的方法</a:t>
+            </a:r>
+            <a:endParaRPr kumimoji="1" lang="en-US" altLang="zh-CN" dirty="0" smtClean="0"/>
+          </a:p>
+          <a:p>
+            <a:r>
+              <a:rPr kumimoji="1" lang="zh-CN" altLang="zh-CN" dirty="0" smtClean="0"/>
+              <a:t>3</a:t>
+            </a:r>
+            <a:r>
+              <a:rPr kumimoji="1" lang="zh-CN" altLang="en-US" dirty="0" smtClean="0"/>
+              <a:t>、拓展：自定义</a:t>
+            </a:r>
             <a:r>
               <a:rPr kumimoji="1" lang="en-US" altLang="zh-CN" dirty="0" err="1" smtClean="0"/>
-              <a:t>UIScrollView</a:t>
+              <a:t>UIView</a:t>
+            </a:r>
+            <a:r>
+              <a:rPr kumimoji="1" lang="zh-CN" altLang="en-US" dirty="0" smtClean="0"/>
+              <a:t>加到键盘上</a:t>
             </a:r>
             <a:endParaRPr kumimoji="1" lang="en-US" altLang="zh-CN" dirty="0" smtClean="0"/>
           </a:p>
           <a:p>
+            <a:r>
+              <a:rPr kumimoji="1" lang="en-US" altLang="zh-CN" dirty="0" smtClean="0"/>
+              <a:t>4</a:t>
+            </a:r>
+            <a:r>
+              <a:rPr kumimoji="1" lang="zh-CN" altLang="en-US" dirty="0" smtClean="0"/>
+              <a:t>、</a:t>
+            </a:r>
+            <a:r>
+              <a:rPr kumimoji="1" lang="en-US" altLang="zh-CN" dirty="0" smtClean="0"/>
+              <a:t>http://</a:t>
+            </a:r>
+            <a:r>
+              <a:rPr kumimoji="1" lang="en-US" altLang="zh-CN" dirty="0" err="1" smtClean="0"/>
+              <a:t>www.gowhich.com</a:t>
+            </a:r>
+            <a:r>
+              <a:rPr kumimoji="1" lang="en-US" altLang="zh-CN" dirty="0" smtClean="0"/>
+              <a:t>/blog/516</a:t>
+            </a:r>
             <a:endParaRPr kumimoji="1" lang="zh-CN" altLang="en-US" dirty="0"/>
           </a:p>
         </p:txBody>
@@ -3541,7 +3550,7 @@
     </p:spTree>
     <p:extLst>
       <p:ext uri="{BB962C8B-B14F-4D97-AF65-F5344CB8AC3E}">
-        <p14:creationId xmlns:p14="http://schemas.microsoft.com/office/powerpoint/2010/main" val="2620272090"/>
+        <p14:creationId xmlns:p14="http://schemas.microsoft.com/office/powerpoint/2010/main" val="3359439704"/>
       </p:ext>
     </p:extLst>
   </p:cSld>
@@ -3585,6 +3594,93 @@
           <a:p>
             <a:r>
               <a:rPr kumimoji="1" lang="zh-CN" altLang="en-US" dirty="0" smtClean="0"/>
+              <a:t>实例</a:t>
+            </a:r>
+            <a:r>
+              <a:rPr kumimoji="1" lang="en-US" altLang="zh-CN" dirty="0" smtClean="0"/>
+              <a:t>2</a:t>
+            </a:r>
+            <a:r>
+              <a:rPr kumimoji="1" lang="zh-CN" altLang="en-US" dirty="0" smtClean="0"/>
+              <a:t>：实现滑动翻页</a:t>
+            </a:r>
+            <a:endParaRPr kumimoji="1" lang="zh-CN" altLang="en-US" dirty="0"/>
+          </a:p>
+        </p:txBody>
+      </p:sp>
+      <p:sp>
+        <p:nvSpPr>
+          <p:cNvPr id="3" name="内容占位符 2"/>
+          <p:cNvSpPr>
+            <a:spLocks noGrp="1"/>
+          </p:cNvSpPr>
+          <p:nvPr>
+            <p:ph idx="1"/>
+          </p:nvPr>
+        </p:nvSpPr>
+        <p:spPr/>
+        <p:txBody>
+          <a:bodyPr/>
+          <a:lstStyle/>
+          <a:p>
+            <a:r>
+              <a:rPr kumimoji="1" lang="en-US" altLang="zh-CN" dirty="0" err="1" smtClean="0"/>
+              <a:t>UIScrollView</a:t>
+            </a:r>
+            <a:endParaRPr kumimoji="1" lang="en-US" altLang="zh-CN" dirty="0" smtClean="0"/>
+          </a:p>
+          <a:p>
+            <a:endParaRPr kumimoji="1" lang="zh-CN" altLang="en-US" dirty="0"/>
+          </a:p>
+        </p:txBody>
+      </p:sp>
+    </p:spTree>
+    <p:extLst>
+      <p:ext uri="{BB962C8B-B14F-4D97-AF65-F5344CB8AC3E}">
+        <p14:creationId xmlns:p14="http://schemas.microsoft.com/office/powerpoint/2010/main" val="2620272090"/>
+      </p:ext>
+    </p:extLst>
+  </p:cSld>
+  <p:clrMapOvr>
+    <a:masterClrMapping/>
+  </p:clrMapOvr>
+</p:sld>
+</file>
+
+<file path=ppt/slides/slide6.xml><?xml version="1.0" encoding="utf-8"?>
+<p:sld xmlns:a="http://schemas.openxmlformats.org/drawingml/2006/main" xmlns:r="http://schemas.openxmlformats.org/officeDocument/2006/relationships" xmlns:p="http://schemas.openxmlformats.org/presentationml/2006/main">
+  <p:cSld>
+    <p:spTree>
+      <p:nvGrpSpPr>
+        <p:cNvPr id="1" name=""/>
+        <p:cNvGrpSpPr/>
+        <p:nvPr/>
+      </p:nvGrpSpPr>
+      <p:grpSpPr>
+        <a:xfrm>
+          <a:off x="0" y="0"/>
+          <a:ext cx="0" cy="0"/>
+          <a:chOff x="0" y="0"/>
+          <a:chExt cx="0" cy="0"/>
+        </a:xfrm>
+      </p:grpSpPr>
+      <p:sp>
+        <p:nvSpPr>
+          <p:cNvPr id="2" name="标题 1"/>
+          <p:cNvSpPr>
+            <a:spLocks noGrp="1"/>
+          </p:cNvSpPr>
+          <p:nvPr>
+            <p:ph type="title"/>
+          </p:nvPr>
+        </p:nvSpPr>
+        <p:spPr/>
+        <p:txBody>
+          <a:bodyPr/>
+          <a:lstStyle/>
+          <a:p>
+            <a:r>
+              <a:rPr kumimoji="1" lang="zh-CN" altLang="en-US" dirty="0" smtClean="0"/>
               <a:t>实例三：与服务器的通讯</a:t>
             </a:r>
             <a:endParaRPr kumimoji="1" lang="zh-CN" altLang="en-US" dirty="0"/>
@@ -3630,7 +3726,7 @@
 </p:sld>
 </file>
 
-<file path=ppt/slides/slide6.xml><?xml version="1.0" encoding="utf-8"?>
+<file path=ppt/slides/slide7.xml><?xml version="1.0" encoding="utf-8"?>
 <p:sld xmlns:a="http://schemas.openxmlformats.org/drawingml/2006/main" xmlns:r="http://schemas.openxmlformats.org/officeDocument/2006/relationships" xmlns:p="http://schemas.openxmlformats.org/presentationml/2006/main">
   <p:cSld>
     <p:spTree>
